--- a/AICTE PPT.pptx
+++ b/AICTE PPT.pptx
@@ -5663,9 +5663,13 @@
           <a:lstStyle/>
           <a:p>
             <a:r>
-              <a:rPr lang="en-IN" dirty="0"/>
-              <a:t>Screenshots of the outcome (min 3)</a:t>
-            </a:r>
+              <a:rPr lang="en-US" dirty="0"/>
+              <a:t>Original image                                              Decrypted image</a:t>
+            </a:r>
+            <a:endParaRPr lang="en-IN" dirty="0"/>
+          </a:p>
+          <a:p>
+            <a:endParaRPr lang="en-US" dirty="0"/>
           </a:p>
         </p:txBody>
       </p:sp>
@@ -5751,8 +5755,98 @@
         </p:blipFill>
         <p:spPr>
           <a:xfrm>
-            <a:off x="4117794" y="1301280"/>
+            <a:off x="4117519" y="882650"/>
             <a:ext cx="5682803" cy="1884165"/>
+          </a:xfrm>
+          <a:prstGeom prst="rect">
+            <a:avLst/>
+          </a:prstGeom>
+        </p:spPr>
+      </p:pic>
+      <p:pic>
+        <p:nvPicPr>
+          <p:cNvPr id="10" name="Picture 9">
+            <a:extLst>
+              <a:ext uri="{FF2B5EF4-FFF2-40B4-BE49-F238E27FC236}">
+                <a16:creationId xmlns:a16="http://schemas.microsoft.com/office/drawing/2014/main" id="{0642C3FA-75E6-BCCC-A05F-57C8237413CE}"/>
+              </a:ext>
+            </a:extLst>
+          </p:cNvPr>
+          <p:cNvPicPr>
+            <a:picLocks noChangeAspect="1"/>
+          </p:cNvPicPr>
+          <p:nvPr/>
+        </p:nvPicPr>
+        <p:blipFill>
+          <a:blip r:embed="rId5"/>
+          <a:stretch>
+            <a:fillRect/>
+          </a:stretch>
+        </p:blipFill>
+        <p:spPr>
+          <a:xfrm>
+            <a:off x="4513581" y="3672556"/>
+            <a:ext cx="1956045" cy="2597873"/>
+          </a:xfrm>
+          <a:prstGeom prst="rect">
+            <a:avLst/>
+          </a:prstGeom>
+        </p:spPr>
+      </p:pic>
+      <p:pic>
+        <p:nvPicPr>
+          <p:cNvPr id="12" name="Picture 11">
+            <a:extLst>
+              <a:ext uri="{FF2B5EF4-FFF2-40B4-BE49-F238E27FC236}">
+                <a16:creationId xmlns:a16="http://schemas.microsoft.com/office/drawing/2014/main" id="{9AE8932A-5059-881F-4FE8-227BBE1BF4A0}"/>
+              </a:ext>
+            </a:extLst>
+          </p:cNvPr>
+          <p:cNvPicPr>
+            <a:picLocks noChangeAspect="1"/>
+          </p:cNvPicPr>
+          <p:nvPr/>
+        </p:nvPicPr>
+        <p:blipFill>
+          <a:blip r:embed="rId6"/>
+          <a:stretch>
+            <a:fillRect/>
+          </a:stretch>
+        </p:blipFill>
+        <p:spPr>
+          <a:xfrm>
+            <a:off x="896238" y="3638689"/>
+            <a:ext cx="1956047" cy="2597874"/>
+          </a:xfrm>
+          <a:prstGeom prst="rect">
+            <a:avLst/>
+          </a:prstGeom>
+        </p:spPr>
+      </p:pic>
+      <p:pic>
+        <p:nvPicPr>
+          <p:cNvPr id="14" name="Picture 13">
+            <a:extLst>
+              <a:ext uri="{FF2B5EF4-FFF2-40B4-BE49-F238E27FC236}">
+                <a16:creationId xmlns:a16="http://schemas.microsoft.com/office/drawing/2014/main" id="{E0007FE7-7937-5D68-0A10-BE125379FBA3}"/>
+              </a:ext>
+            </a:extLst>
+          </p:cNvPr>
+          <p:cNvPicPr>
+            <a:picLocks noChangeAspect="1"/>
+          </p:cNvPicPr>
+          <p:nvPr/>
+        </p:nvPicPr>
+        <p:blipFill>
+          <a:blip r:embed="rId7"/>
+          <a:stretch>
+            <a:fillRect/>
+          </a:stretch>
+        </p:blipFill>
+        <p:spPr>
+          <a:xfrm>
+            <a:off x="6562039" y="3070051"/>
+            <a:ext cx="5629961" cy="2974873"/>
           </a:xfrm>
           <a:prstGeom prst="rect">
             <a:avLst/>
@@ -6522,20 +6616,20 @@
 </file>
 
 <file path=customXml/item1.xml><?xml version="1.0" encoding="utf-8"?>
-<p:properties xmlns:p="http://schemas.microsoft.com/office/2006/metadata/properties" xmlns:xsi="http://www.w3.org/2001/XMLSchema-instance" xmlns:pc="http://schemas.microsoft.com/office/infopath/2007/PartnerControls">
-  <documentManagement>
-    <_activity xmlns="b30265f8-c5e2-4918-b4a1-b977299ca3e2" xsi:nil="true"/>
-  </documentManagement>
-</p:properties>
-</file>
-
-<file path=customXml/item2.xml><?xml version="1.0" encoding="utf-8"?>
 <?mso-contentType ?>
 <FormTemplates xmlns="http://schemas.microsoft.com/sharepoint/v3/contenttype/forms">
   <Display>DocumentLibraryForm</Display>
   <Edit>DocumentLibraryForm</Edit>
   <New>DocumentLibraryForm</New>
 </FormTemplates>
+</file>
+
+<file path=customXml/item2.xml><?xml version="1.0" encoding="utf-8"?>
+<p:properties xmlns:p="http://schemas.microsoft.com/office/2006/metadata/properties" xmlns:xsi="http://www.w3.org/2001/XMLSchema-instance" xmlns:pc="http://schemas.microsoft.com/office/infopath/2007/PartnerControls">
+  <documentManagement>
+    <_activity xmlns="b30265f8-c5e2-4918-b4a1-b977299ca3e2" xsi:nil="true"/>
+  </documentManagement>
+</p:properties>
 </file>
 
 <file path=customXml/item3.xml><?xml version="1.0" encoding="utf-8"?>
@@ -6772,6 +6866,14 @@
 </file>
 
 <file path=customXml/itemProps1.xml><?xml version="1.0" encoding="utf-8"?>
+<ds:datastoreItem xmlns:ds="http://schemas.openxmlformats.org/officeDocument/2006/customXml" ds:itemID="{927BD4C1-B6B1-4715-ABF9-E660A51A4EA0}">
+  <ds:schemaRefs>
+    <ds:schemaRef ds:uri="http://schemas.microsoft.com/sharepoint/v3/contenttype/forms"/>
+  </ds:schemaRefs>
+</ds:datastoreItem>
+</file>
+
+<file path=customXml/itemProps2.xml><?xml version="1.0" encoding="utf-8"?>
 <ds:datastoreItem xmlns:ds="http://schemas.openxmlformats.org/officeDocument/2006/customXml" ds:itemID="{8D289AE2-D2AE-49D1-AFAC-3A79F6794255}">
   <ds:schemaRefs>
     <ds:schemaRef ds:uri="http://schemas.openxmlformats.org/package/2006/metadata/core-properties"/>
@@ -6784,14 +6886,6 @@
     <ds:schemaRef ds:uri="http://purl.org/dc/terms/"/>
     <ds:schemaRef ds:uri="b30265f8-c5e2-4918-b4a1-b977299ca3e2"/>
     <ds:schemaRef ds:uri="http://www.w3.org/XML/1998/namespace"/>
-  </ds:schemaRefs>
-</ds:datastoreItem>
-</file>
-
-<file path=customXml/itemProps2.xml><?xml version="1.0" encoding="utf-8"?>
-<ds:datastoreItem xmlns:ds="http://schemas.openxmlformats.org/officeDocument/2006/customXml" ds:itemID="{927BD4C1-B6B1-4715-ABF9-E660A51A4EA0}">
-  <ds:schemaRefs>
-    <ds:schemaRef ds:uri="http://schemas.microsoft.com/sharepoint/v3/contenttype/forms"/>
   </ds:schemaRefs>
 </ds:datastoreItem>
 </file>
